--- a/spring - 학습자료/코드로 배우는 스프링 웹 프로젝트 (개정판) 학습자료/PART5.pptx
+++ b/spring - 학습자료/코드로 배우는 스프링 웹 프로젝트 (개정판) 학습자료/PART5.pptx
@@ -1660,7 +1660,7 @@
           <a:p>
             <a:fld id="{48A87A34-81AB-432B-8DAE-1953F412C126}" type="datetimeFigureOut">
               <a:rPr lang="en-US" smtClean="0"/>
-              <a:t>5/8/2023</a:t>
+              <a:t>5/9/2023</a:t>
             </a:fld>
             <a:endParaRPr lang="en-US"/>
           </a:p>
@@ -1858,7 +1858,7 @@
           <a:p>
             <a:fld id="{48A87A34-81AB-432B-8DAE-1953F412C126}" type="datetimeFigureOut">
               <a:rPr lang="en-US" smtClean="0"/>
-              <a:t>5/8/2023</a:t>
+              <a:t>5/9/2023</a:t>
             </a:fld>
             <a:endParaRPr lang="en-US"/>
           </a:p>
@@ -2066,7 +2066,7 @@
           <a:p>
             <a:fld id="{48A87A34-81AB-432B-8DAE-1953F412C126}" type="datetimeFigureOut">
               <a:rPr lang="en-US" smtClean="0"/>
-              <a:t>5/8/2023</a:t>
+              <a:t>5/9/2023</a:t>
             </a:fld>
             <a:endParaRPr lang="en-US"/>
           </a:p>
@@ -2274,7 +2274,7 @@
           <a:p>
             <a:fld id="{48A87A34-81AB-432B-8DAE-1953F412C126}" type="datetimeFigureOut">
               <a:rPr lang="en-US" smtClean="0"/>
-              <a:t>5/8/2023</a:t>
+              <a:t>5/9/2023</a:t>
             </a:fld>
             <a:endParaRPr lang="en-US"/>
           </a:p>
@@ -2549,7 +2549,7 @@
           <a:p>
             <a:fld id="{48A87A34-81AB-432B-8DAE-1953F412C126}" type="datetimeFigureOut">
               <a:rPr lang="en-US" smtClean="0"/>
-              <a:t>5/8/2023</a:t>
+              <a:t>5/9/2023</a:t>
             </a:fld>
             <a:endParaRPr lang="en-US"/>
           </a:p>
@@ -2815,7 +2815,7 @@
             <a:fld id="{48A87A34-81AB-432B-8DAE-1953F412C126}" type="datetimeFigureOut">
               <a:rPr lang="en-US" smtClean="0"/>
               <a:pPr/>
-              <a:t>5/8/2023</a:t>
+              <a:t>5/9/2023</a:t>
             </a:fld>
             <a:endParaRPr lang="en-US"/>
           </a:p>
@@ -3228,7 +3228,7 @@
           <a:p>
             <a:fld id="{48A87A34-81AB-432B-8DAE-1953F412C126}" type="datetimeFigureOut">
               <a:rPr lang="en-US" smtClean="0"/>
-              <a:t>5/8/2023</a:t>
+              <a:t>5/9/2023</a:t>
             </a:fld>
             <a:endParaRPr lang="en-US"/>
           </a:p>
@@ -3369,7 +3369,7 @@
           <a:p>
             <a:fld id="{48A87A34-81AB-432B-8DAE-1953F412C126}" type="datetimeFigureOut">
               <a:rPr lang="en-US" smtClean="0"/>
-              <a:t>5/8/2023</a:t>
+              <a:t>5/9/2023</a:t>
             </a:fld>
             <a:endParaRPr lang="en-US"/>
           </a:p>
@@ -3482,7 +3482,7 @@
           <a:p>
             <a:fld id="{48A87A34-81AB-432B-8DAE-1953F412C126}" type="datetimeFigureOut">
               <a:rPr lang="en-US" smtClean="0"/>
-              <a:t>5/8/2023</a:t>
+              <a:t>5/9/2023</a:t>
             </a:fld>
             <a:endParaRPr lang="en-US"/>
           </a:p>
@@ -3793,7 +3793,7 @@
           <a:p>
             <a:fld id="{48A87A34-81AB-432B-8DAE-1953F412C126}" type="datetimeFigureOut">
               <a:rPr lang="en-US" smtClean="0"/>
-              <a:t>5/8/2023</a:t>
+              <a:t>5/9/2023</a:t>
             </a:fld>
             <a:endParaRPr lang="en-US"/>
           </a:p>
@@ -4082,7 +4082,7 @@
             <a:fld id="{48A87A34-81AB-432B-8DAE-1953F412C126}" type="datetimeFigureOut">
               <a:rPr lang="en-US" smtClean="0"/>
               <a:pPr/>
-              <a:t>5/8/2023</a:t>
+              <a:t>5/9/2023</a:t>
             </a:fld>
             <a:endParaRPr lang="en-US"/>
           </a:p>
@@ -4325,7 +4325,7 @@
             <a:fld id="{48A87A34-81AB-432B-8DAE-1953F412C126}" type="datetimeFigureOut">
               <a:rPr lang="en-US" smtClean="0"/>
               <a:pPr/>
-              <a:t>5/8/2023</a:t>
+              <a:t>5/9/2023</a:t>
             </a:fld>
             <a:endParaRPr lang="en-US"/>
           </a:p>
@@ -12769,34 +12769,46 @@
           <a:lstStyle/>
           <a:p>
             <a:r>
-              <a:rPr lang="en-US" altLang="ko-KR"/>
-              <a:t>tbl_board </a:t>
-            </a:r>
-            <a:r>
-              <a:rPr lang="ko-KR" altLang="en-US"/>
+              <a:rPr lang="en-US" altLang="ko-KR" dirty="0" err="1"/>
+              <a:t>tbl_board</a:t>
+            </a:r>
+            <a:r>
+              <a:rPr lang="en-US" altLang="ko-KR" dirty="0"/>
+              <a:t> </a:t>
+            </a:r>
+            <a:r>
+              <a:rPr lang="ko-KR" altLang="en-US" dirty="0"/>
               <a:t>테이블에 댓글 수를 의미하는 </a:t>
             </a:r>
             <a:r>
-              <a:rPr lang="en-US" altLang="ko-KR"/>
+              <a:rPr lang="en-US" altLang="ko-KR" dirty="0" err="1"/>
               <a:t>replycnt</a:t>
             </a:r>
             <a:r>
-              <a:rPr lang="ko-KR" altLang="en-US"/>
+              <a:rPr lang="ko-KR" altLang="en-US" dirty="0"/>
               <a:t>컬럼 추가 </a:t>
             </a:r>
-            <a:endParaRPr lang="en-US" altLang="ko-KR"/>
-          </a:p>
-          <a:p>
-            <a:r>
-              <a:rPr lang="ko-KR" altLang="en-US"/>
-              <a:t>댓글의 추가와 삭제시에 </a:t>
-            </a:r>
-            <a:r>
-              <a:rPr lang="en-US" altLang="ko-KR"/>
+            <a:endParaRPr lang="en-US" altLang="ko-KR" dirty="0"/>
+          </a:p>
+          <a:p>
+            <a:r>
+              <a:rPr lang="ko-KR" altLang="en-US" dirty="0"/>
+              <a:t>댓글의 추가와 </a:t>
+            </a:r>
+            <a:r>
+              <a:rPr lang="ko-KR" altLang="en-US" dirty="0" err="1"/>
+              <a:t>삭제시에</a:t>
+            </a:r>
+            <a:r>
+              <a:rPr lang="ko-KR" altLang="en-US" dirty="0"/>
+              <a:t> </a:t>
+            </a:r>
+            <a:r>
+              <a:rPr lang="en-US" altLang="ko-KR" dirty="0" err="1"/>
               <a:t>replycnt</a:t>
             </a:r>
             <a:r>
-              <a:rPr lang="ko-KR" altLang="en-US"/>
+              <a:rPr lang="ko-KR" altLang="en-US" dirty="0"/>
               <a:t>는 트랜잭션하에 관리되어야 함  </a:t>
             </a:r>
           </a:p>
@@ -12883,14 +12895,110 @@
               </a:spcAft>
             </a:pPr>
             <a:r>
-              <a:rPr lang="en-US" altLang="ko-KR" sz="1200" kern="900">
+              <a:rPr lang="en-US" altLang="ko-KR" sz="1200" kern="900" dirty="0">
                 <a:latin typeface="Consolas" panose="020B0609020204030204" pitchFamily="49" charset="0"/>
                 <a:ea typeface="Consolas" panose="020B0609020204030204" pitchFamily="49" charset="0"/>
                 <a:cs typeface="나눔고딕" panose="020D0604000000000000" pitchFamily="50" charset="-127"/>
               </a:rPr>
-              <a:t>update tbl_board set replycnt = (select count(rno) from tbl_reply where tbl_reply.bno = tbl_board.bno);</a:t>
-            </a:r>
-            <a:endParaRPr lang="ko-KR" altLang="ko-KR" sz="1200" kern="900">
+              <a:t>update </a:t>
+            </a:r>
+            <a:r>
+              <a:rPr lang="en-US" altLang="ko-KR" sz="1200" kern="900" dirty="0" err="1">
+                <a:latin typeface="Consolas" panose="020B0609020204030204" pitchFamily="49" charset="0"/>
+                <a:ea typeface="Consolas" panose="020B0609020204030204" pitchFamily="49" charset="0"/>
+                <a:cs typeface="나눔고딕" panose="020D0604000000000000" pitchFamily="50" charset="-127"/>
+              </a:rPr>
+              <a:t>tbl_board</a:t>
+            </a:r>
+            <a:r>
+              <a:rPr lang="en-US" altLang="ko-KR" sz="1200" kern="900" dirty="0">
+                <a:latin typeface="Consolas" panose="020B0609020204030204" pitchFamily="49" charset="0"/>
+                <a:ea typeface="Consolas" panose="020B0609020204030204" pitchFamily="49" charset="0"/>
+                <a:cs typeface="나눔고딕" panose="020D0604000000000000" pitchFamily="50" charset="-127"/>
+              </a:rPr>
+              <a:t> set </a:t>
+            </a:r>
+            <a:r>
+              <a:rPr lang="en-US" altLang="ko-KR" sz="1200" kern="900" dirty="0" err="1">
+                <a:latin typeface="Consolas" panose="020B0609020204030204" pitchFamily="49" charset="0"/>
+                <a:ea typeface="Consolas" panose="020B0609020204030204" pitchFamily="49" charset="0"/>
+                <a:cs typeface="나눔고딕" panose="020D0604000000000000" pitchFamily="50" charset="-127"/>
+              </a:rPr>
+              <a:t>replycnt</a:t>
+            </a:r>
+            <a:r>
+              <a:rPr lang="en-US" altLang="ko-KR" sz="1200" kern="900" dirty="0">
+                <a:latin typeface="Consolas" panose="020B0609020204030204" pitchFamily="49" charset="0"/>
+                <a:ea typeface="Consolas" panose="020B0609020204030204" pitchFamily="49" charset="0"/>
+                <a:cs typeface="나눔고딕" panose="020D0604000000000000" pitchFamily="50" charset="-127"/>
+              </a:rPr>
+              <a:t> = (select count(</a:t>
+            </a:r>
+            <a:r>
+              <a:rPr lang="en-US" altLang="ko-KR" sz="1200" kern="900" dirty="0" err="1">
+                <a:latin typeface="Consolas" panose="020B0609020204030204" pitchFamily="49" charset="0"/>
+                <a:ea typeface="Consolas" panose="020B0609020204030204" pitchFamily="49" charset="0"/>
+                <a:cs typeface="나눔고딕" panose="020D0604000000000000" pitchFamily="50" charset="-127"/>
+              </a:rPr>
+              <a:t>rno</a:t>
+            </a:r>
+            <a:r>
+              <a:rPr lang="en-US" altLang="ko-KR" sz="1200" kern="900" dirty="0">
+                <a:latin typeface="Consolas" panose="020B0609020204030204" pitchFamily="49" charset="0"/>
+                <a:ea typeface="Consolas" panose="020B0609020204030204" pitchFamily="49" charset="0"/>
+                <a:cs typeface="나눔고딕" panose="020D0604000000000000" pitchFamily="50" charset="-127"/>
+              </a:rPr>
+              <a:t>) from </a:t>
+            </a:r>
+            <a:r>
+              <a:rPr lang="en-US" altLang="ko-KR" sz="1200" kern="900" dirty="0" err="1">
+                <a:latin typeface="Consolas" panose="020B0609020204030204" pitchFamily="49" charset="0"/>
+                <a:ea typeface="Consolas" panose="020B0609020204030204" pitchFamily="49" charset="0"/>
+                <a:cs typeface="나눔고딕" panose="020D0604000000000000" pitchFamily="50" charset="-127"/>
+              </a:rPr>
+              <a:t>tbl_reply</a:t>
+            </a:r>
+            <a:r>
+              <a:rPr lang="en-US" altLang="ko-KR" sz="1200" kern="900" dirty="0">
+                <a:latin typeface="Consolas" panose="020B0609020204030204" pitchFamily="49" charset="0"/>
+                <a:ea typeface="Consolas" panose="020B0609020204030204" pitchFamily="49" charset="0"/>
+                <a:cs typeface="나눔고딕" panose="020D0604000000000000" pitchFamily="50" charset="-127"/>
+              </a:rPr>
+              <a:t> where </a:t>
+            </a:r>
+            <a:r>
+              <a:rPr lang="en-US" altLang="ko-KR" sz="1200" kern="900" dirty="0" err="1">
+                <a:latin typeface="Consolas" panose="020B0609020204030204" pitchFamily="49" charset="0"/>
+                <a:ea typeface="Consolas" panose="020B0609020204030204" pitchFamily="49" charset="0"/>
+                <a:cs typeface="나눔고딕" panose="020D0604000000000000" pitchFamily="50" charset="-127"/>
+              </a:rPr>
+              <a:t>tbl_reply.bno</a:t>
+            </a:r>
+            <a:r>
+              <a:rPr lang="en-US" altLang="ko-KR" sz="1200" kern="900" dirty="0">
+                <a:latin typeface="Consolas" panose="020B0609020204030204" pitchFamily="49" charset="0"/>
+                <a:ea typeface="Consolas" panose="020B0609020204030204" pitchFamily="49" charset="0"/>
+                <a:cs typeface="나눔고딕" panose="020D0604000000000000" pitchFamily="50" charset="-127"/>
+              </a:rPr>
+              <a:t> = </a:t>
+            </a:r>
+            <a:r>
+              <a:rPr lang="en-US" altLang="ko-KR" sz="1200" kern="900" dirty="0" err="1">
+                <a:latin typeface="Consolas" panose="020B0609020204030204" pitchFamily="49" charset="0"/>
+                <a:ea typeface="Consolas" panose="020B0609020204030204" pitchFamily="49" charset="0"/>
+                <a:cs typeface="나눔고딕" panose="020D0604000000000000" pitchFamily="50" charset="-127"/>
+              </a:rPr>
+              <a:t>tbl_board.bno</a:t>
+            </a:r>
+            <a:r>
+              <a:rPr lang="en-US" altLang="ko-KR" sz="1200" kern="900" dirty="0">
+                <a:latin typeface="Consolas" panose="020B0609020204030204" pitchFamily="49" charset="0"/>
+                <a:ea typeface="Consolas" panose="020B0609020204030204" pitchFamily="49" charset="0"/>
+                <a:cs typeface="나눔고딕" panose="020D0604000000000000" pitchFamily="50" charset="-127"/>
+              </a:rPr>
+              <a:t>);</a:t>
+            </a:r>
+            <a:endParaRPr lang="ko-KR" altLang="ko-KR" sz="1200" kern="900" dirty="0">
               <a:latin typeface="Consolas" panose="020B0609020204030204" pitchFamily="49" charset="0"/>
               <a:ea typeface="Consolas" panose="020B0609020204030204" pitchFamily="49" charset="0"/>
               <a:cs typeface="나눔고딕" panose="020D0604000000000000" pitchFamily="50" charset="-127"/>
@@ -12934,14 +13042,14 @@
               </a:spcAft>
             </a:pPr>
             <a:r>
-              <a:rPr lang="en-US" altLang="ko-KR" sz="1100">
+              <a:rPr lang="en-US" altLang="ko-KR" sz="1100" dirty="0">
                 <a:latin typeface="Consolas" panose="020B0609020204030204" pitchFamily="49" charset="0"/>
                 <a:ea typeface="Consolas" panose="020B0609020204030204" pitchFamily="49" charset="0"/>
                 <a:cs typeface="Arial" panose="020B0604020202020204" pitchFamily="34" charset="0"/>
               </a:rPr>
               <a:t> </a:t>
             </a:r>
-            <a:endParaRPr lang="ko-KR" altLang="ko-KR" sz="1100">
+            <a:endParaRPr lang="ko-KR" altLang="ko-KR" sz="1100" dirty="0">
               <a:latin typeface="Consolas" panose="020B0609020204030204" pitchFamily="49" charset="0"/>
               <a:ea typeface="Consolas" panose="020B0609020204030204" pitchFamily="49" charset="0"/>
               <a:cs typeface="Arial" panose="020B0604020202020204" pitchFamily="34" charset="0"/>
@@ -12957,7 +13065,7 @@
               </a:spcAft>
             </a:pPr>
             <a:r>
-              <a:rPr lang="en-US" altLang="ko-KR" sz="1100">
+              <a:rPr lang="en-US" altLang="ko-KR" sz="1100" dirty="0">
                 <a:solidFill>
                   <a:srgbClr val="000000"/>
                 </a:solidFill>
@@ -12967,7 +13075,7 @@
               <a:t>  </a:t>
             </a:r>
             <a:r>
-              <a:rPr lang="en-US" altLang="ko-KR" sz="1100">
+              <a:rPr lang="en-US" altLang="ko-KR" sz="1100" dirty="0">
                 <a:solidFill>
                   <a:srgbClr val="008080"/>
                 </a:solidFill>
@@ -12977,7 +13085,7 @@
               <a:t>&lt;</a:t>
             </a:r>
             <a:r>
-              <a:rPr lang="en-US" altLang="ko-KR" sz="1100">
+              <a:rPr lang="en-US" altLang="ko-KR" sz="1100" dirty="0">
                 <a:solidFill>
                   <a:srgbClr val="3F7F7F"/>
                 </a:solidFill>
@@ -12987,14 +13095,14 @@
               <a:t>update</a:t>
             </a:r>
             <a:r>
-              <a:rPr lang="en-US" altLang="ko-KR" sz="1100">
+              <a:rPr lang="en-US" altLang="ko-KR" sz="1100" dirty="0">
                 <a:latin typeface="Consolas" panose="020B0609020204030204" pitchFamily="49" charset="0"/>
                 <a:cs typeface="Consolas" panose="020B0609020204030204" pitchFamily="49" charset="0"/>
               </a:rPr>
               <a:t> </a:t>
             </a:r>
             <a:r>
-              <a:rPr lang="en-US" altLang="ko-KR" sz="1100">
+              <a:rPr lang="en-US" altLang="ko-KR" sz="1100" dirty="0">
                 <a:solidFill>
                   <a:srgbClr val="7F007F"/>
                 </a:solidFill>
@@ -13004,7 +13112,7 @@
               <a:t>id</a:t>
             </a:r>
             <a:r>
-              <a:rPr lang="en-US" altLang="ko-KR" sz="1100">
+              <a:rPr lang="en-US" altLang="ko-KR" sz="1100" dirty="0">
                 <a:solidFill>
                   <a:srgbClr val="000000"/>
                 </a:solidFill>
@@ -13014,17 +13122,37 @@
               <a:t>=</a:t>
             </a:r>
             <a:r>
-              <a:rPr lang="en-US" altLang="ko-KR" sz="1100" i="1">
+              <a:rPr lang="en-US" altLang="ko-KR" sz="1100" i="1" dirty="0">
                 <a:solidFill>
                   <a:srgbClr val="2A00FF"/>
                 </a:solidFill>
                 <a:latin typeface="Consolas" panose="020B0609020204030204" pitchFamily="49" charset="0"/>
                 <a:cs typeface="Consolas" panose="020B0609020204030204" pitchFamily="49" charset="0"/>
               </a:rPr>
-              <a:t>"updateReplyCnt"</a:t>
-            </a:r>
-            <a:r>
-              <a:rPr lang="en-US" altLang="ko-KR" sz="1100">
+              <a:t>"</a:t>
+            </a:r>
+            <a:r>
+              <a:rPr lang="en-US" altLang="ko-KR" sz="1100" i="1" dirty="0" err="1">
+                <a:solidFill>
+                  <a:srgbClr val="2A00FF"/>
+                </a:solidFill>
+                <a:latin typeface="Consolas" panose="020B0609020204030204" pitchFamily="49" charset="0"/>
+                <a:cs typeface="Consolas" panose="020B0609020204030204" pitchFamily="49" charset="0"/>
+              </a:rPr>
+              <a:t>updateReplyCnt</a:t>
+            </a:r>
+            <a:r>
+              <a:rPr lang="en-US" altLang="ko-KR" sz="1100" i="1" dirty="0">
+                <a:solidFill>
+                  <a:srgbClr val="2A00FF"/>
+                </a:solidFill>
+                <a:latin typeface="Consolas" panose="020B0609020204030204" pitchFamily="49" charset="0"/>
+                <a:cs typeface="Consolas" panose="020B0609020204030204" pitchFamily="49" charset="0"/>
+              </a:rPr>
+              <a:t>"</a:t>
+            </a:r>
+            <a:r>
+              <a:rPr lang="en-US" altLang="ko-KR" sz="1100" dirty="0">
                 <a:solidFill>
                   <a:srgbClr val="008080"/>
                 </a:solidFill>
@@ -13033,7 +13161,7 @@
               </a:rPr>
               <a:t>&gt;</a:t>
             </a:r>
-            <a:endParaRPr lang="ko-KR" altLang="ko-KR" sz="1200">
+            <a:endParaRPr lang="ko-KR" altLang="ko-KR" sz="1200" dirty="0">
               <a:latin typeface="맑은 고딕" panose="020B0503020000020004" pitchFamily="50" charset="-127"/>
               <a:cs typeface="Arial" panose="020B0604020202020204" pitchFamily="34" charset="0"/>
             </a:endParaRPr>
@@ -13048,16 +13176,116 @@
               </a:spcAft>
             </a:pPr>
             <a:r>
-              <a:rPr lang="en-US" altLang="ko-KR" sz="1100">
-                <a:solidFill>
-                  <a:srgbClr val="000000"/>
-                </a:solidFill>
-                <a:latin typeface="Consolas" panose="020B0609020204030204" pitchFamily="49" charset="0"/>
-                <a:cs typeface="Consolas" panose="020B0609020204030204" pitchFamily="49" charset="0"/>
-              </a:rPr>
-              <a:t>    update tbl_board set replycnt = replycnt + #{amount} where bno = #{bno}</a:t>
-            </a:r>
-            <a:endParaRPr lang="ko-KR" altLang="ko-KR" sz="1200">
+              <a:rPr lang="en-US" altLang="ko-KR" sz="1100" dirty="0">
+                <a:solidFill>
+                  <a:srgbClr val="000000"/>
+                </a:solidFill>
+                <a:latin typeface="Consolas" panose="020B0609020204030204" pitchFamily="49" charset="0"/>
+                <a:cs typeface="Consolas" panose="020B0609020204030204" pitchFamily="49" charset="0"/>
+              </a:rPr>
+              <a:t>    update </a:t>
+            </a:r>
+            <a:r>
+              <a:rPr lang="en-US" altLang="ko-KR" sz="1100" dirty="0" err="1">
+                <a:solidFill>
+                  <a:srgbClr val="000000"/>
+                </a:solidFill>
+                <a:latin typeface="Consolas" panose="020B0609020204030204" pitchFamily="49" charset="0"/>
+                <a:cs typeface="Consolas" panose="020B0609020204030204" pitchFamily="49" charset="0"/>
+              </a:rPr>
+              <a:t>tbl_board</a:t>
+            </a:r>
+            <a:r>
+              <a:rPr lang="en-US" altLang="ko-KR" sz="1100" dirty="0">
+                <a:solidFill>
+                  <a:srgbClr val="000000"/>
+                </a:solidFill>
+                <a:latin typeface="Consolas" panose="020B0609020204030204" pitchFamily="49" charset="0"/>
+                <a:cs typeface="Consolas" panose="020B0609020204030204" pitchFamily="49" charset="0"/>
+              </a:rPr>
+              <a:t> set </a:t>
+            </a:r>
+            <a:r>
+              <a:rPr lang="en-US" altLang="ko-KR" sz="1100" dirty="0" err="1">
+                <a:solidFill>
+                  <a:srgbClr val="000000"/>
+                </a:solidFill>
+                <a:latin typeface="Consolas" panose="020B0609020204030204" pitchFamily="49" charset="0"/>
+                <a:cs typeface="Consolas" panose="020B0609020204030204" pitchFamily="49" charset="0"/>
+              </a:rPr>
+              <a:t>replycnt</a:t>
+            </a:r>
+            <a:r>
+              <a:rPr lang="en-US" altLang="ko-KR" sz="1100" dirty="0">
+                <a:solidFill>
+                  <a:srgbClr val="000000"/>
+                </a:solidFill>
+                <a:latin typeface="Consolas" panose="020B0609020204030204" pitchFamily="49" charset="0"/>
+                <a:cs typeface="Consolas" panose="020B0609020204030204" pitchFamily="49" charset="0"/>
+              </a:rPr>
+              <a:t> = </a:t>
+            </a:r>
+            <a:r>
+              <a:rPr lang="en-US" altLang="ko-KR" sz="1100" dirty="0" err="1">
+                <a:solidFill>
+                  <a:srgbClr val="000000"/>
+                </a:solidFill>
+                <a:latin typeface="Consolas" panose="020B0609020204030204" pitchFamily="49" charset="0"/>
+                <a:cs typeface="Consolas" panose="020B0609020204030204" pitchFamily="49" charset="0"/>
+              </a:rPr>
+              <a:t>replycnt</a:t>
+            </a:r>
+            <a:r>
+              <a:rPr lang="en-US" altLang="ko-KR" sz="1100" dirty="0">
+                <a:solidFill>
+                  <a:srgbClr val="000000"/>
+                </a:solidFill>
+                <a:latin typeface="Consolas" panose="020B0609020204030204" pitchFamily="49" charset="0"/>
+                <a:cs typeface="Consolas" panose="020B0609020204030204" pitchFamily="49" charset="0"/>
+              </a:rPr>
+              <a:t> + #{amount} where </a:t>
+            </a:r>
+            <a:r>
+              <a:rPr lang="en-US" altLang="ko-KR" sz="1100" dirty="0" err="1">
+                <a:solidFill>
+                  <a:srgbClr val="000000"/>
+                </a:solidFill>
+                <a:latin typeface="Consolas" panose="020B0609020204030204" pitchFamily="49" charset="0"/>
+                <a:cs typeface="Consolas" panose="020B0609020204030204" pitchFamily="49" charset="0"/>
+              </a:rPr>
+              <a:t>bno</a:t>
+            </a:r>
+            <a:r>
+              <a:rPr lang="en-US" altLang="ko-KR" sz="1100" dirty="0">
+                <a:solidFill>
+                  <a:srgbClr val="000000"/>
+                </a:solidFill>
+                <a:latin typeface="Consolas" panose="020B0609020204030204" pitchFamily="49" charset="0"/>
+                <a:cs typeface="Consolas" panose="020B0609020204030204" pitchFamily="49" charset="0"/>
+              </a:rPr>
+              <a:t> = #{</a:t>
+            </a:r>
+            <a:r>
+              <a:rPr lang="en-US" altLang="ko-KR" sz="1100" dirty="0" err="1">
+                <a:solidFill>
+                  <a:srgbClr val="000000"/>
+                </a:solidFill>
+                <a:latin typeface="Consolas" panose="020B0609020204030204" pitchFamily="49" charset="0"/>
+                <a:cs typeface="Consolas" panose="020B0609020204030204" pitchFamily="49" charset="0"/>
+              </a:rPr>
+              <a:t>bno</a:t>
+            </a:r>
+            <a:r>
+              <a:rPr lang="en-US" altLang="ko-KR" sz="1100" dirty="0">
+                <a:solidFill>
+                  <a:srgbClr val="000000"/>
+                </a:solidFill>
+                <a:latin typeface="Consolas" panose="020B0609020204030204" pitchFamily="49" charset="0"/>
+                <a:cs typeface="Consolas" panose="020B0609020204030204" pitchFamily="49" charset="0"/>
+              </a:rPr>
+              <a:t>}</a:t>
+            </a:r>
+            <a:endParaRPr lang="ko-KR" altLang="ko-KR" sz="1200" dirty="0">
               <a:latin typeface="맑은 고딕" panose="020B0503020000020004" pitchFamily="50" charset="-127"/>
               <a:cs typeface="Arial" panose="020B0604020202020204" pitchFamily="34" charset="0"/>
             </a:endParaRPr>
@@ -13072,7 +13300,7 @@
               </a:spcAft>
             </a:pPr>
             <a:r>
-              <a:rPr lang="en-US" altLang="ko-KR" sz="1100">
+              <a:rPr lang="en-US" altLang="ko-KR" sz="1100" dirty="0">
                 <a:solidFill>
                   <a:srgbClr val="000000"/>
                 </a:solidFill>
@@ -13082,7 +13310,7 @@
               <a:t>  </a:t>
             </a:r>
             <a:r>
-              <a:rPr lang="en-US" altLang="ko-KR" sz="1100">
+              <a:rPr lang="en-US" altLang="ko-KR" sz="1100" dirty="0">
                 <a:solidFill>
                   <a:srgbClr val="008080"/>
                 </a:solidFill>
@@ -13092,7 +13320,7 @@
               <a:t>&lt;/</a:t>
             </a:r>
             <a:r>
-              <a:rPr lang="en-US" altLang="ko-KR" sz="1100">
+              <a:rPr lang="en-US" altLang="ko-KR" sz="1100" dirty="0">
                 <a:solidFill>
                   <a:srgbClr val="3F7F7F"/>
                 </a:solidFill>
@@ -13102,7 +13330,7 @@
               <a:t>update</a:t>
             </a:r>
             <a:r>
-              <a:rPr lang="en-US" altLang="ko-KR" sz="1100">
+              <a:rPr lang="en-US" altLang="ko-KR" sz="1100" dirty="0">
                 <a:solidFill>
                   <a:srgbClr val="008080"/>
                 </a:solidFill>
@@ -13111,7 +13339,7 @@
               </a:rPr>
               <a:t>&gt;</a:t>
             </a:r>
-            <a:endParaRPr lang="ko-KR" altLang="ko-KR" sz="1100">
+            <a:endParaRPr lang="ko-KR" altLang="ko-KR" sz="1100" dirty="0">
               <a:latin typeface="Consolas" panose="020B0609020204030204" pitchFamily="49" charset="0"/>
               <a:ea typeface="Consolas" panose="020B0609020204030204" pitchFamily="49" charset="0"/>
               <a:cs typeface="Arial" panose="020B0604020202020204" pitchFamily="34" charset="0"/>
@@ -13213,6 +13441,9 @@
             <a:endParaRPr lang="en-US" altLang="ko-KR" dirty="0" smtClean="0"/>
           </a:p>
           <a:p>
+            <a:endParaRPr lang="en-US" altLang="ko-KR" dirty="0" smtClean="0"/>
+          </a:p>
+          <a:p>
             <a:r>
               <a:rPr lang="en-US" altLang="ko-KR" dirty="0" err="1" smtClean="0"/>
               <a:t>BoardMappper</a:t>
@@ -13368,7 +13599,15 @@
             </a:r>
             <a:r>
               <a:rPr lang="ko-KR" altLang="en-US" dirty="0" smtClean="0"/>
-              <a:t>관련</a:t>
+              <a:t>관련 </a:t>
+            </a:r>
+            <a:r>
+              <a:rPr lang="en-US" altLang="ko-KR" dirty="0" err="1" smtClean="0"/>
+              <a:t>replyCnt</a:t>
+            </a:r>
+            <a:r>
+              <a:rPr lang="ko-KR" altLang="en-US" dirty="0" smtClean="0"/>
+              <a:t>컬럼 추가</a:t>
             </a:r>
             <a:r>
               <a:rPr lang="en-US" altLang="ko-KR" dirty="0" smtClean="0"/>
@@ -13503,7 +13742,7 @@
               </a:spcAft>
             </a:pPr>
             <a:r>
-              <a:rPr lang="en-US" altLang="ko-KR" sz="1050">
+              <a:rPr lang="en-US" altLang="ko-KR" sz="1050" dirty="0">
                 <a:latin typeface="Consolas" panose="020B0609020204030204" pitchFamily="49" charset="0"/>
                 <a:ea typeface="Consolas" panose="020B0609020204030204" pitchFamily="49" charset="0"/>
                 <a:cs typeface="Arial" panose="020B0604020202020204" pitchFamily="34" charset="0"/>
@@ -13511,7 +13750,7 @@
               <a:t> ...</a:t>
             </a:r>
             <a:r>
-              <a:rPr lang="ko-KR" altLang="en-US" sz="1050">
+              <a:rPr lang="ko-KR" altLang="en-US" sz="1050" dirty="0">
                 <a:latin typeface="Consolas" panose="020B0609020204030204" pitchFamily="49" charset="0"/>
                 <a:ea typeface="Consolas" panose="020B0609020204030204" pitchFamily="49" charset="0"/>
                 <a:cs typeface="Arial" panose="020B0604020202020204" pitchFamily="34" charset="0"/>
@@ -13519,14 +13758,14 @@
               <a:t>생략</a:t>
             </a:r>
             <a:r>
-              <a:rPr lang="en-US" altLang="ko-KR" sz="1050">
+              <a:rPr lang="en-US" altLang="ko-KR" sz="1050" dirty="0">
                 <a:latin typeface="Consolas" panose="020B0609020204030204" pitchFamily="49" charset="0"/>
                 <a:ea typeface="Consolas" panose="020B0609020204030204" pitchFamily="49" charset="0"/>
                 <a:cs typeface="Arial" panose="020B0604020202020204" pitchFamily="34" charset="0"/>
               </a:rPr>
               <a:t>...</a:t>
             </a:r>
-            <a:endParaRPr lang="ko-KR" altLang="ko-KR" sz="1050">
+            <a:endParaRPr lang="ko-KR" altLang="ko-KR" sz="1050" dirty="0">
               <a:latin typeface="Consolas" panose="020B0609020204030204" pitchFamily="49" charset="0"/>
               <a:ea typeface="Consolas" panose="020B0609020204030204" pitchFamily="49" charset="0"/>
               <a:cs typeface="Arial" panose="020B0604020202020204" pitchFamily="34" charset="0"/>
@@ -13542,7 +13781,7 @@
               </a:spcAft>
             </a:pPr>
             <a:r>
-              <a:rPr lang="en-US" altLang="ko-KR" sz="1050">
+              <a:rPr lang="en-US" altLang="ko-KR" sz="1050" dirty="0">
                 <a:solidFill>
                   <a:srgbClr val="000000"/>
                 </a:solidFill>
@@ -13552,7 +13791,7 @@
               <a:t>  </a:t>
             </a:r>
             <a:r>
-              <a:rPr lang="en-US" altLang="ko-KR" sz="1050">
+              <a:rPr lang="en-US" altLang="ko-KR" sz="1050" dirty="0">
                 <a:solidFill>
                   <a:srgbClr val="646464"/>
                 </a:solidFill>
@@ -13561,7 +13800,7 @@
               </a:rPr>
               <a:t>@Transactional</a:t>
             </a:r>
-            <a:endParaRPr lang="ko-KR" altLang="ko-KR" sz="1100">
+            <a:endParaRPr lang="ko-KR" altLang="ko-KR" sz="1100" dirty="0">
               <a:latin typeface="맑은 고딕" panose="020B0503020000020004" pitchFamily="50" charset="-127"/>
               <a:cs typeface="Arial" panose="020B0604020202020204" pitchFamily="34" charset="0"/>
             </a:endParaRPr>
@@ -13576,7 +13815,7 @@
               </a:spcAft>
             </a:pPr>
             <a:r>
-              <a:rPr lang="en-US" altLang="ko-KR" sz="1050">
+              <a:rPr lang="en-US" altLang="ko-KR" sz="1050" dirty="0">
                 <a:solidFill>
                   <a:srgbClr val="000000"/>
                 </a:solidFill>
@@ -13586,7 +13825,7 @@
               <a:t>  </a:t>
             </a:r>
             <a:r>
-              <a:rPr lang="en-US" altLang="ko-KR" sz="1050">
+              <a:rPr lang="en-US" altLang="ko-KR" sz="1050" dirty="0">
                 <a:solidFill>
                   <a:srgbClr val="646464"/>
                 </a:solidFill>
@@ -13595,7 +13834,7 @@
               </a:rPr>
               <a:t>@Override</a:t>
             </a:r>
-            <a:endParaRPr lang="ko-KR" altLang="ko-KR" sz="1100">
+            <a:endParaRPr lang="ko-KR" altLang="ko-KR" sz="1100" dirty="0">
               <a:latin typeface="맑은 고딕" panose="020B0503020000020004" pitchFamily="50" charset="-127"/>
               <a:cs typeface="Arial" panose="020B0604020202020204" pitchFamily="34" charset="0"/>
             </a:endParaRPr>
@@ -13610,7 +13849,7 @@
               </a:spcAft>
             </a:pPr>
             <a:r>
-              <a:rPr lang="en-US" altLang="ko-KR" sz="1050">
+              <a:rPr lang="en-US" altLang="ko-KR" sz="1050" dirty="0">
                 <a:solidFill>
                   <a:srgbClr val="000000"/>
                 </a:solidFill>
@@ -13620,7 +13859,7 @@
               <a:t>  </a:t>
             </a:r>
             <a:r>
-              <a:rPr lang="en-US" altLang="ko-KR" sz="1050" b="1">
+              <a:rPr lang="en-US" altLang="ko-KR" sz="1050" b="1" dirty="0">
                 <a:solidFill>
                   <a:srgbClr val="7F0055"/>
                 </a:solidFill>
@@ -13630,7 +13869,7 @@
               <a:t>public</a:t>
             </a:r>
             <a:r>
-              <a:rPr lang="en-US" altLang="ko-KR" sz="1050">
+              <a:rPr lang="en-US" altLang="ko-KR" sz="1050" dirty="0">
                 <a:solidFill>
                   <a:srgbClr val="000000"/>
                 </a:solidFill>
@@ -13640,7 +13879,7 @@
               <a:t> </a:t>
             </a:r>
             <a:r>
-              <a:rPr lang="en-US" altLang="ko-KR" sz="1050" b="1">
+              <a:rPr lang="en-US" altLang="ko-KR" sz="1050" b="1" dirty="0" err="1">
                 <a:solidFill>
                   <a:srgbClr val="7F0055"/>
                 </a:solidFill>
@@ -13650,17 +13889,37 @@
               <a:t>int</a:t>
             </a:r>
             <a:r>
-              <a:rPr lang="en-US" altLang="ko-KR" sz="1050">
-                <a:solidFill>
-                  <a:srgbClr val="000000"/>
-                </a:solidFill>
-                <a:latin typeface="Consolas" panose="020B0609020204030204" pitchFamily="49" charset="0"/>
-                <a:cs typeface="Consolas" panose="020B0609020204030204" pitchFamily="49" charset="0"/>
-              </a:rPr>
-              <a:t> register(ReplyVO </a:t>
-            </a:r>
-            <a:r>
-              <a:rPr lang="en-US" altLang="ko-KR" sz="1050">
+              <a:rPr lang="en-US" altLang="ko-KR" sz="1050" dirty="0">
+                <a:solidFill>
+                  <a:srgbClr val="000000"/>
+                </a:solidFill>
+                <a:latin typeface="Consolas" panose="020B0609020204030204" pitchFamily="49" charset="0"/>
+                <a:cs typeface="Consolas" panose="020B0609020204030204" pitchFamily="49" charset="0"/>
+              </a:rPr>
+              <a:t> register(</a:t>
+            </a:r>
+            <a:r>
+              <a:rPr lang="en-US" altLang="ko-KR" sz="1050" dirty="0" err="1">
+                <a:solidFill>
+                  <a:srgbClr val="000000"/>
+                </a:solidFill>
+                <a:latin typeface="Consolas" panose="020B0609020204030204" pitchFamily="49" charset="0"/>
+                <a:cs typeface="Consolas" panose="020B0609020204030204" pitchFamily="49" charset="0"/>
+              </a:rPr>
+              <a:t>ReplyVO</a:t>
+            </a:r>
+            <a:r>
+              <a:rPr lang="en-US" altLang="ko-KR" sz="1050" dirty="0">
+                <a:solidFill>
+                  <a:srgbClr val="000000"/>
+                </a:solidFill>
+                <a:latin typeface="Consolas" panose="020B0609020204030204" pitchFamily="49" charset="0"/>
+                <a:cs typeface="Consolas" panose="020B0609020204030204" pitchFamily="49" charset="0"/>
+              </a:rPr>
+              <a:t> </a:t>
+            </a:r>
+            <a:r>
+              <a:rPr lang="en-US" altLang="ko-KR" sz="1050" dirty="0" err="1">
                 <a:solidFill>
                   <a:srgbClr val="6A3E3E"/>
                 </a:solidFill>
@@ -13670,7 +13929,7 @@
               <a:t>vo</a:t>
             </a:r>
             <a:r>
-              <a:rPr lang="en-US" altLang="ko-KR" sz="1050">
+              <a:rPr lang="en-US" altLang="ko-KR" sz="1050" dirty="0">
                 <a:solidFill>
                   <a:srgbClr val="000000"/>
                 </a:solidFill>
@@ -13679,7 +13938,7 @@
               </a:rPr>
               <a:t>) {</a:t>
             </a:r>
-            <a:endParaRPr lang="ko-KR" altLang="ko-KR" sz="1100">
+            <a:endParaRPr lang="ko-KR" altLang="ko-KR" sz="1100" dirty="0">
               <a:latin typeface="맑은 고딕" panose="020B0503020000020004" pitchFamily="50" charset="-127"/>
               <a:cs typeface="Arial" panose="020B0604020202020204" pitchFamily="34" charset="0"/>
             </a:endParaRPr>
@@ -13694,13 +13953,13 @@
               </a:spcAft>
             </a:pPr>
             <a:r>
-              <a:rPr lang="en-US" altLang="ko-KR" sz="1050">
+              <a:rPr lang="en-US" altLang="ko-KR" sz="1050" dirty="0">
                 <a:latin typeface="Consolas" panose="020B0609020204030204" pitchFamily="49" charset="0"/>
                 <a:cs typeface="Consolas" panose="020B0609020204030204" pitchFamily="49" charset="0"/>
               </a:rPr>
               <a:t> </a:t>
             </a:r>
-            <a:endParaRPr lang="ko-KR" altLang="ko-KR" sz="1100">
+            <a:endParaRPr lang="ko-KR" altLang="ko-KR" sz="1100" dirty="0">
               <a:latin typeface="맑은 고딕" panose="020B0503020000020004" pitchFamily="50" charset="-127"/>
               <a:cs typeface="Arial" panose="020B0604020202020204" pitchFamily="34" charset="0"/>
             </a:endParaRPr>
@@ -13715,7 +13974,7 @@
               </a:spcAft>
             </a:pPr>
             <a:r>
-              <a:rPr lang="en-US" altLang="ko-KR" sz="1050">
+              <a:rPr lang="en-US" altLang="ko-KR" sz="1050" dirty="0">
                 <a:solidFill>
                   <a:srgbClr val="000000"/>
                 </a:solidFill>
@@ -13725,7 +13984,7 @@
               <a:t>    </a:t>
             </a:r>
             <a:r>
-              <a:rPr lang="en-US" altLang="ko-KR" sz="1050" b="1" i="1">
+              <a:rPr lang="en-US" altLang="ko-KR" sz="1050" b="1" i="1" dirty="0">
                 <a:solidFill>
                   <a:srgbClr val="0000C0"/>
                 </a:solidFill>
@@ -13735,7 +13994,7 @@
               <a:t>log</a:t>
             </a:r>
             <a:r>
-              <a:rPr lang="en-US" altLang="ko-KR" sz="1050">
+              <a:rPr lang="en-US" altLang="ko-KR" sz="1050" dirty="0">
                 <a:solidFill>
                   <a:srgbClr val="000000"/>
                 </a:solidFill>
@@ -13745,7 +14004,7 @@
               <a:t>.info(</a:t>
             </a:r>
             <a:r>
-              <a:rPr lang="en-US" altLang="ko-KR" sz="1050">
+              <a:rPr lang="en-US" altLang="ko-KR" sz="1050" dirty="0">
                 <a:solidFill>
                   <a:srgbClr val="2A00FF"/>
                 </a:solidFill>
@@ -13755,7 +14014,7 @@
               <a:t>"register......"</a:t>
             </a:r>
             <a:r>
-              <a:rPr lang="en-US" altLang="ko-KR" sz="1050">
+              <a:rPr lang="en-US" altLang="ko-KR" sz="1050" dirty="0">
                 <a:solidFill>
                   <a:srgbClr val="000000"/>
                 </a:solidFill>
@@ -13765,7 +14024,7 @@
               <a:t> + </a:t>
             </a:r>
             <a:r>
-              <a:rPr lang="en-US" altLang="ko-KR" sz="1050">
+              <a:rPr lang="en-US" altLang="ko-KR" sz="1050" dirty="0" err="1">
                 <a:solidFill>
                   <a:srgbClr val="6A3E3E"/>
                 </a:solidFill>
@@ -13775,7 +14034,7 @@
               <a:t>vo</a:t>
             </a:r>
             <a:r>
-              <a:rPr lang="en-US" altLang="ko-KR" sz="1050">
+              <a:rPr lang="en-US" altLang="ko-KR" sz="1050" dirty="0">
                 <a:solidFill>
                   <a:srgbClr val="000000"/>
                 </a:solidFill>
@@ -13784,7 +14043,7 @@
               </a:rPr>
               <a:t>);</a:t>
             </a:r>
-            <a:endParaRPr lang="ko-KR" altLang="ko-KR" sz="1100">
+            <a:endParaRPr lang="ko-KR" altLang="ko-KR" sz="1100" dirty="0">
               <a:latin typeface="맑은 고딕" panose="020B0503020000020004" pitchFamily="50" charset="-127"/>
               <a:cs typeface="Arial" panose="020B0604020202020204" pitchFamily="34" charset="0"/>
             </a:endParaRPr>
@@ -13799,13 +14058,13 @@
               </a:spcAft>
             </a:pPr>
             <a:r>
-              <a:rPr lang="en-US" altLang="ko-KR" sz="1050">
+              <a:rPr lang="en-US" altLang="ko-KR" sz="1050" dirty="0">
                 <a:latin typeface="Consolas" panose="020B0609020204030204" pitchFamily="49" charset="0"/>
                 <a:cs typeface="Consolas" panose="020B0609020204030204" pitchFamily="49" charset="0"/>
               </a:rPr>
               <a:t> </a:t>
             </a:r>
-            <a:endParaRPr lang="ko-KR" altLang="ko-KR" sz="1100">
+            <a:endParaRPr lang="ko-KR" altLang="ko-KR" sz="1100" dirty="0">
               <a:latin typeface="맑은 고딕" panose="020B0503020000020004" pitchFamily="50" charset="-127"/>
               <a:cs typeface="Arial" panose="020B0604020202020204" pitchFamily="34" charset="0"/>
             </a:endParaRPr>
@@ -13820,7 +14079,7 @@
               </a:spcAft>
             </a:pPr>
             <a:r>
-              <a:rPr lang="en-US" altLang="ko-KR" sz="1050">
+              <a:rPr lang="en-US" altLang="ko-KR" sz="1050" dirty="0">
                 <a:solidFill>
                   <a:srgbClr val="000000"/>
                 </a:solidFill>
@@ -13830,7 +14089,7 @@
               <a:t>    </a:t>
             </a:r>
             <a:r>
-              <a:rPr lang="en-US" altLang="ko-KR" sz="1050">
+              <a:rPr lang="en-US" altLang="ko-KR" sz="1050" dirty="0" err="1">
                 <a:solidFill>
                   <a:srgbClr val="0000C0"/>
                 </a:solidFill>
@@ -13840,17 +14099,27 @@
               <a:t>boardMapper</a:t>
             </a:r>
             <a:r>
-              <a:rPr lang="en-US" altLang="ko-KR" sz="1050">
-                <a:solidFill>
-                  <a:srgbClr val="000000"/>
-                </a:solidFill>
-                <a:latin typeface="Consolas" panose="020B0609020204030204" pitchFamily="49" charset="0"/>
-                <a:cs typeface="Consolas" panose="020B0609020204030204" pitchFamily="49" charset="0"/>
-              </a:rPr>
-              <a:t>.updateReplyCnt(</a:t>
-            </a:r>
-            <a:r>
-              <a:rPr lang="en-US" altLang="ko-KR" sz="1050">
+              <a:rPr lang="en-US" altLang="ko-KR" sz="1050" dirty="0" err="1">
+                <a:solidFill>
+                  <a:srgbClr val="000000"/>
+                </a:solidFill>
+                <a:latin typeface="Consolas" panose="020B0609020204030204" pitchFamily="49" charset="0"/>
+                <a:cs typeface="Consolas" panose="020B0609020204030204" pitchFamily="49" charset="0"/>
+              </a:rPr>
+              <a:t>.updateReplyCnt</a:t>
+            </a:r>
+            <a:r>
+              <a:rPr lang="en-US" altLang="ko-KR" sz="1050" dirty="0">
+                <a:solidFill>
+                  <a:srgbClr val="000000"/>
+                </a:solidFill>
+                <a:latin typeface="Consolas" panose="020B0609020204030204" pitchFamily="49" charset="0"/>
+                <a:cs typeface="Consolas" panose="020B0609020204030204" pitchFamily="49" charset="0"/>
+              </a:rPr>
+              <a:t>(</a:t>
+            </a:r>
+            <a:r>
+              <a:rPr lang="en-US" altLang="ko-KR" sz="1050" dirty="0" err="1">
                 <a:solidFill>
                   <a:srgbClr val="6A3E3E"/>
                 </a:solidFill>
@@ -13860,16 +14129,26 @@
               <a:t>vo</a:t>
             </a:r>
             <a:r>
-              <a:rPr lang="en-US" altLang="ko-KR" sz="1050">
-                <a:solidFill>
-                  <a:srgbClr val="000000"/>
-                </a:solidFill>
-                <a:latin typeface="Consolas" panose="020B0609020204030204" pitchFamily="49" charset="0"/>
-                <a:cs typeface="Consolas" panose="020B0609020204030204" pitchFamily="49" charset="0"/>
-              </a:rPr>
-              <a:t>.getBno(), 1);</a:t>
-            </a:r>
-            <a:endParaRPr lang="ko-KR" altLang="ko-KR" sz="1100">
+              <a:rPr lang="en-US" altLang="ko-KR" sz="1050" dirty="0" err="1">
+                <a:solidFill>
+                  <a:srgbClr val="000000"/>
+                </a:solidFill>
+                <a:latin typeface="Consolas" panose="020B0609020204030204" pitchFamily="49" charset="0"/>
+                <a:cs typeface="Consolas" panose="020B0609020204030204" pitchFamily="49" charset="0"/>
+              </a:rPr>
+              <a:t>.getBno</a:t>
+            </a:r>
+            <a:r>
+              <a:rPr lang="en-US" altLang="ko-KR" sz="1050" dirty="0">
+                <a:solidFill>
+                  <a:srgbClr val="000000"/>
+                </a:solidFill>
+                <a:latin typeface="Consolas" panose="020B0609020204030204" pitchFamily="49" charset="0"/>
+                <a:cs typeface="Consolas" panose="020B0609020204030204" pitchFamily="49" charset="0"/>
+              </a:rPr>
+              <a:t>(), 1);</a:t>
+            </a:r>
+            <a:endParaRPr lang="ko-KR" altLang="ko-KR" sz="1100" dirty="0">
               <a:latin typeface="맑은 고딕" panose="020B0503020000020004" pitchFamily="50" charset="-127"/>
               <a:cs typeface="Arial" panose="020B0604020202020204" pitchFamily="34" charset="0"/>
             </a:endParaRPr>
@@ -13884,13 +14163,13 @@
               </a:spcAft>
             </a:pPr>
             <a:r>
-              <a:rPr lang="en-US" altLang="ko-KR" sz="1050">
+              <a:rPr lang="en-US" altLang="ko-KR" sz="1050" dirty="0">
                 <a:latin typeface="Consolas" panose="020B0609020204030204" pitchFamily="49" charset="0"/>
                 <a:cs typeface="Consolas" panose="020B0609020204030204" pitchFamily="49" charset="0"/>
               </a:rPr>
               <a:t> </a:t>
             </a:r>
-            <a:endParaRPr lang="ko-KR" altLang="ko-KR" sz="1100">
+            <a:endParaRPr lang="ko-KR" altLang="ko-KR" sz="1100" dirty="0">
               <a:latin typeface="맑은 고딕" panose="020B0503020000020004" pitchFamily="50" charset="-127"/>
               <a:cs typeface="Arial" panose="020B0604020202020204" pitchFamily="34" charset="0"/>
             </a:endParaRPr>
@@ -13905,7 +14184,7 @@
               </a:spcAft>
             </a:pPr>
             <a:r>
-              <a:rPr lang="en-US" altLang="ko-KR" sz="1050">
+              <a:rPr lang="en-US" altLang="ko-KR" sz="1050" dirty="0">
                 <a:solidFill>
                   <a:srgbClr val="000000"/>
                 </a:solidFill>
@@ -13915,7 +14194,7 @@
               <a:t>    </a:t>
             </a:r>
             <a:r>
-              <a:rPr lang="en-US" altLang="ko-KR" sz="1050" b="1">
+              <a:rPr lang="en-US" altLang="ko-KR" sz="1050" b="1" dirty="0">
                 <a:solidFill>
                   <a:srgbClr val="7F0055"/>
                 </a:solidFill>
@@ -13925,7 +14204,7 @@
               <a:t>return</a:t>
             </a:r>
             <a:r>
-              <a:rPr lang="en-US" altLang="ko-KR" sz="1050">
+              <a:rPr lang="en-US" altLang="ko-KR" sz="1050" dirty="0">
                 <a:solidFill>
                   <a:srgbClr val="000000"/>
                 </a:solidFill>
@@ -13935,7 +14214,7 @@
               <a:t> </a:t>
             </a:r>
             <a:r>
-              <a:rPr lang="en-US" altLang="ko-KR" sz="1050">
+              <a:rPr lang="en-US" altLang="ko-KR" sz="1050" dirty="0" err="1">
                 <a:solidFill>
                   <a:srgbClr val="0000C0"/>
                 </a:solidFill>
@@ -13945,17 +14224,27 @@
               <a:t>mapper</a:t>
             </a:r>
             <a:r>
-              <a:rPr lang="en-US" altLang="ko-KR" sz="1050">
-                <a:solidFill>
-                  <a:srgbClr val="000000"/>
-                </a:solidFill>
-                <a:latin typeface="Consolas" panose="020B0609020204030204" pitchFamily="49" charset="0"/>
-                <a:cs typeface="Consolas" panose="020B0609020204030204" pitchFamily="49" charset="0"/>
-              </a:rPr>
-              <a:t>.insert(</a:t>
-            </a:r>
-            <a:r>
-              <a:rPr lang="en-US" altLang="ko-KR" sz="1050">
+              <a:rPr lang="en-US" altLang="ko-KR" sz="1050" dirty="0" err="1">
+                <a:solidFill>
+                  <a:srgbClr val="000000"/>
+                </a:solidFill>
+                <a:latin typeface="Consolas" panose="020B0609020204030204" pitchFamily="49" charset="0"/>
+                <a:cs typeface="Consolas" panose="020B0609020204030204" pitchFamily="49" charset="0"/>
+              </a:rPr>
+              <a:t>.insert</a:t>
+            </a:r>
+            <a:r>
+              <a:rPr lang="en-US" altLang="ko-KR" sz="1050" dirty="0">
+                <a:solidFill>
+                  <a:srgbClr val="000000"/>
+                </a:solidFill>
+                <a:latin typeface="Consolas" panose="020B0609020204030204" pitchFamily="49" charset="0"/>
+                <a:cs typeface="Consolas" panose="020B0609020204030204" pitchFamily="49" charset="0"/>
+              </a:rPr>
+              <a:t>(</a:t>
+            </a:r>
+            <a:r>
+              <a:rPr lang="en-US" altLang="ko-KR" sz="1050" dirty="0" err="1">
                 <a:solidFill>
                   <a:srgbClr val="6A3E3E"/>
                 </a:solidFill>
@@ -13965,7 +14254,7 @@
               <a:t>vo</a:t>
             </a:r>
             <a:r>
-              <a:rPr lang="en-US" altLang="ko-KR" sz="1050">
+              <a:rPr lang="en-US" altLang="ko-KR" sz="1050" dirty="0">
                 <a:solidFill>
                   <a:srgbClr val="000000"/>
                 </a:solidFill>
@@ -13974,7 +14263,7 @@
               </a:rPr>
               <a:t>);</a:t>
             </a:r>
-            <a:endParaRPr lang="ko-KR" altLang="ko-KR" sz="1100">
+            <a:endParaRPr lang="ko-KR" altLang="ko-KR" sz="1100" dirty="0">
               <a:latin typeface="맑은 고딕" panose="020B0503020000020004" pitchFamily="50" charset="-127"/>
               <a:cs typeface="Arial" panose="020B0604020202020204" pitchFamily="34" charset="0"/>
             </a:endParaRPr>
@@ -13989,13 +14278,13 @@
               </a:spcAft>
             </a:pPr>
             <a:r>
-              <a:rPr lang="en-US" altLang="ko-KR" sz="1050">
+              <a:rPr lang="en-US" altLang="ko-KR" sz="1050" dirty="0">
                 <a:latin typeface="Consolas" panose="020B0609020204030204" pitchFamily="49" charset="0"/>
                 <a:cs typeface="Consolas" panose="020B0609020204030204" pitchFamily="49" charset="0"/>
               </a:rPr>
               <a:t> </a:t>
             </a:r>
-            <a:endParaRPr lang="ko-KR" altLang="ko-KR" sz="1100">
+            <a:endParaRPr lang="ko-KR" altLang="ko-KR" sz="1100" dirty="0">
               <a:latin typeface="맑은 고딕" panose="020B0503020000020004" pitchFamily="50" charset="-127"/>
               <a:cs typeface="Arial" panose="020B0604020202020204" pitchFamily="34" charset="0"/>
             </a:endParaRPr>
@@ -14010,7 +14299,7 @@
               </a:spcAft>
             </a:pPr>
             <a:r>
-              <a:rPr lang="en-US" altLang="ko-KR" sz="1050">
+              <a:rPr lang="en-US" altLang="ko-KR" sz="1050" dirty="0">
                 <a:solidFill>
                   <a:srgbClr val="000000"/>
                 </a:solidFill>
@@ -14019,7 +14308,7 @@
               </a:rPr>
               <a:t>  }</a:t>
             </a:r>
-            <a:endParaRPr lang="ko-KR" altLang="ko-KR" sz="1050">
+            <a:endParaRPr lang="ko-KR" altLang="ko-KR" sz="1050" dirty="0">
               <a:latin typeface="Consolas" panose="020B0609020204030204" pitchFamily="49" charset="0"/>
               <a:ea typeface="Consolas" panose="020B0609020204030204" pitchFamily="49" charset="0"/>
               <a:cs typeface="Arial" panose="020B0604020202020204" pitchFamily="34" charset="0"/>
@@ -14034,7 +14323,7 @@
                 <a:spcPts val="800"/>
               </a:spcAft>
             </a:pPr>
-            <a:endParaRPr lang="ko-KR" altLang="ko-KR" sz="1050">
+            <a:endParaRPr lang="ko-KR" altLang="ko-KR" sz="1050" dirty="0">
               <a:latin typeface="Consolas" panose="020B0609020204030204" pitchFamily="49" charset="0"/>
               <a:ea typeface="Consolas" panose="020B0609020204030204" pitchFamily="49" charset="0"/>
               <a:cs typeface="Arial" panose="020B0604020202020204" pitchFamily="34" charset="0"/>
